--- a/[Algo]homework06/src/7주차.pptx
+++ b/[Algo]homework06/src/7주차.pptx
@@ -245,7 +245,7 @@
           <a:p>
             <a:fld id="{177409FB-41A1-407B-8C47-FBB40A9E5BEE}" type="datetimeFigureOut">
               <a:rPr lang="ko-KR" altLang="en-US" smtClean="0"/>
-              <a:t>2017-10-25</a:t>
+              <a:t>2017-11-08</a:t>
             </a:fld>
             <a:endParaRPr lang="ko-KR" altLang="en-US"/>
           </a:p>
@@ -3039,7 +3039,7 @@
           <a:p>
             <a:fld id="{FB30EDBD-1C2D-4C1E-B459-B60219FAB484}" type="datetimeFigureOut">
               <a:rPr lang="ko-KR" altLang="en-US" smtClean="0"/>
-              <a:t>2017-10-25</a:t>
+              <a:t>2017-11-08</a:t>
             </a:fld>
             <a:endParaRPr lang="ko-KR" altLang="en-US"/>
           </a:p>
@@ -3227,7 +3227,7 @@
           <a:p>
             <a:fld id="{FB30EDBD-1C2D-4C1E-B459-B60219FAB484}" type="datetimeFigureOut">
               <a:rPr lang="ko-KR" altLang="en-US" smtClean="0"/>
-              <a:t>2017-10-25</a:t>
+              <a:t>2017-11-08</a:t>
             </a:fld>
             <a:endParaRPr lang="ko-KR" altLang="en-US"/>
           </a:p>
@@ -3418,7 +3418,7 @@
           <a:p>
             <a:fld id="{FB30EDBD-1C2D-4C1E-B459-B60219FAB484}" type="datetimeFigureOut">
               <a:rPr lang="ko-KR" altLang="en-US" smtClean="0"/>
-              <a:t>2017-10-25</a:t>
+              <a:t>2017-11-08</a:t>
             </a:fld>
             <a:endParaRPr lang="ko-KR" altLang="en-US"/>
           </a:p>
@@ -3603,7 +3603,7 @@
           <a:p>
             <a:fld id="{FB30EDBD-1C2D-4C1E-B459-B60219FAB484}" type="datetimeFigureOut">
               <a:rPr lang="ko-KR" altLang="en-US" smtClean="0"/>
-              <a:t>2017-10-25</a:t>
+              <a:t>2017-11-08</a:t>
             </a:fld>
             <a:endParaRPr lang="ko-KR" altLang="en-US"/>
           </a:p>
@@ -3860,7 +3860,7 @@
           <a:p>
             <a:fld id="{FB30EDBD-1C2D-4C1E-B459-B60219FAB484}" type="datetimeFigureOut">
               <a:rPr lang="ko-KR" altLang="en-US" smtClean="0"/>
-              <a:t>2017-10-25</a:t>
+              <a:t>2017-11-08</a:t>
             </a:fld>
             <a:endParaRPr lang="ko-KR" altLang="en-US"/>
           </a:p>
@@ -4159,7 +4159,7 @@
           <a:p>
             <a:fld id="{FB30EDBD-1C2D-4C1E-B459-B60219FAB484}" type="datetimeFigureOut">
               <a:rPr lang="ko-KR" altLang="en-US" smtClean="0"/>
-              <a:t>2017-10-25</a:t>
+              <a:t>2017-11-08</a:t>
             </a:fld>
             <a:endParaRPr lang="ko-KR" altLang="en-US"/>
           </a:p>
@@ -4592,7 +4592,7 @@
           <a:p>
             <a:fld id="{FB30EDBD-1C2D-4C1E-B459-B60219FAB484}" type="datetimeFigureOut">
               <a:rPr lang="ko-KR" altLang="en-US" smtClean="0"/>
-              <a:t>2017-10-25</a:t>
+              <a:t>2017-11-08</a:t>
             </a:fld>
             <a:endParaRPr lang="ko-KR" altLang="en-US"/>
           </a:p>
@@ -4721,7 +4721,7 @@
           <a:p>
             <a:fld id="{FB30EDBD-1C2D-4C1E-B459-B60219FAB484}" type="datetimeFigureOut">
               <a:rPr lang="ko-KR" altLang="en-US" smtClean="0"/>
-              <a:t>2017-10-25</a:t>
+              <a:t>2017-11-08</a:t>
             </a:fld>
             <a:endParaRPr lang="ko-KR" altLang="en-US"/>
           </a:p>
@@ -4827,7 +4827,7 @@
           <a:p>
             <a:fld id="{FB30EDBD-1C2D-4C1E-B459-B60219FAB484}" type="datetimeFigureOut">
               <a:rPr lang="ko-KR" altLang="en-US" smtClean="0"/>
-              <a:t>2017-10-25</a:t>
+              <a:t>2017-11-08</a:t>
             </a:fld>
             <a:endParaRPr lang="ko-KR" altLang="en-US"/>
           </a:p>
@@ -5115,7 +5115,7 @@
           <a:p>
             <a:fld id="{FB30EDBD-1C2D-4C1E-B459-B60219FAB484}" type="datetimeFigureOut">
               <a:rPr lang="ko-KR" altLang="en-US" smtClean="0"/>
-              <a:t>2017-10-25</a:t>
+              <a:t>2017-11-08</a:t>
             </a:fld>
             <a:endParaRPr lang="ko-KR" altLang="en-US"/>
           </a:p>
@@ -5379,7 +5379,7 @@
           <a:p>
             <a:fld id="{FB30EDBD-1C2D-4C1E-B459-B60219FAB484}" type="datetimeFigureOut">
               <a:rPr lang="ko-KR" altLang="en-US" smtClean="0"/>
-              <a:t>2017-10-25</a:t>
+              <a:t>2017-11-08</a:t>
             </a:fld>
             <a:endParaRPr lang="ko-KR" altLang="en-US"/>
           </a:p>
